--- a/CBP專案/API Document/產製帳單&帳單明細檔API.pptx
+++ b/CBP專案/API Document/產製帳單&帳單明細檔API.pptx
@@ -105,6 +105,11 @@
       </a:defRPr>
     </a:lvl9pPr>
   </p:defaultTextStyle>
+  <p:extLst>
+    <p:ext uri="{EFAFB233-063F-42B5-8137-9DF3F51BA10A}">
+      <p15:sldGuideLst xmlns:p15="http://schemas.microsoft.com/office/powerpoint/2012/main"/>
+    </p:ext>
+  </p:extLst>
 </p:presentation>
 </file>
 
@@ -255,7 +260,7 @@
           <a:p>
             <a:fld id="{AD76A8AE-B211-4D3C-B08D-BDBAA8CDBE78}" type="datetimeFigureOut">
               <a:rPr lang="zh-TW" altLang="en-US" smtClean="0"/>
-              <a:t>2023/2/23</a:t>
+              <a:t>2023/2/24</a:t>
             </a:fld>
             <a:endParaRPr lang="zh-TW" altLang="en-US"/>
           </a:p>
@@ -453,7 +458,7 @@
           <a:p>
             <a:fld id="{AD76A8AE-B211-4D3C-B08D-BDBAA8CDBE78}" type="datetimeFigureOut">
               <a:rPr lang="zh-TW" altLang="en-US" smtClean="0"/>
-              <a:t>2023/2/23</a:t>
+              <a:t>2023/2/24</a:t>
             </a:fld>
             <a:endParaRPr lang="zh-TW" altLang="en-US"/>
           </a:p>
@@ -661,7 +666,7 @@
           <a:p>
             <a:fld id="{AD76A8AE-B211-4D3C-B08D-BDBAA8CDBE78}" type="datetimeFigureOut">
               <a:rPr lang="zh-TW" altLang="en-US" smtClean="0"/>
-              <a:t>2023/2/23</a:t>
+              <a:t>2023/2/24</a:t>
             </a:fld>
             <a:endParaRPr lang="zh-TW" altLang="en-US"/>
           </a:p>
@@ -859,7 +864,7 @@
           <a:p>
             <a:fld id="{AD76A8AE-B211-4D3C-B08D-BDBAA8CDBE78}" type="datetimeFigureOut">
               <a:rPr lang="zh-TW" altLang="en-US" smtClean="0"/>
-              <a:t>2023/2/23</a:t>
+              <a:t>2023/2/24</a:t>
             </a:fld>
             <a:endParaRPr lang="zh-TW" altLang="en-US"/>
           </a:p>
@@ -1134,7 +1139,7 @@
           <a:p>
             <a:fld id="{AD76A8AE-B211-4D3C-B08D-BDBAA8CDBE78}" type="datetimeFigureOut">
               <a:rPr lang="zh-TW" altLang="en-US" smtClean="0"/>
-              <a:t>2023/2/23</a:t>
+              <a:t>2023/2/24</a:t>
             </a:fld>
             <a:endParaRPr lang="zh-TW" altLang="en-US"/>
           </a:p>
@@ -1399,7 +1404,7 @@
           <a:p>
             <a:fld id="{AD76A8AE-B211-4D3C-B08D-BDBAA8CDBE78}" type="datetimeFigureOut">
               <a:rPr lang="zh-TW" altLang="en-US" smtClean="0"/>
-              <a:t>2023/2/23</a:t>
+              <a:t>2023/2/24</a:t>
             </a:fld>
             <a:endParaRPr lang="zh-TW" altLang="en-US"/>
           </a:p>
@@ -1811,7 +1816,7 @@
           <a:p>
             <a:fld id="{AD76A8AE-B211-4D3C-B08D-BDBAA8CDBE78}" type="datetimeFigureOut">
               <a:rPr lang="zh-TW" altLang="en-US" smtClean="0"/>
-              <a:t>2023/2/23</a:t>
+              <a:t>2023/2/24</a:t>
             </a:fld>
             <a:endParaRPr lang="zh-TW" altLang="en-US"/>
           </a:p>
@@ -1952,7 +1957,7 @@
           <a:p>
             <a:fld id="{AD76A8AE-B211-4D3C-B08D-BDBAA8CDBE78}" type="datetimeFigureOut">
               <a:rPr lang="zh-TW" altLang="en-US" smtClean="0"/>
-              <a:t>2023/2/23</a:t>
+              <a:t>2023/2/24</a:t>
             </a:fld>
             <a:endParaRPr lang="zh-TW" altLang="en-US"/>
           </a:p>
@@ -2065,7 +2070,7 @@
           <a:p>
             <a:fld id="{AD76A8AE-B211-4D3C-B08D-BDBAA8CDBE78}" type="datetimeFigureOut">
               <a:rPr lang="zh-TW" altLang="en-US" smtClean="0"/>
-              <a:t>2023/2/23</a:t>
+              <a:t>2023/2/24</a:t>
             </a:fld>
             <a:endParaRPr lang="zh-TW" altLang="en-US"/>
           </a:p>
@@ -2376,7 +2381,7 @@
           <a:p>
             <a:fld id="{AD76A8AE-B211-4D3C-B08D-BDBAA8CDBE78}" type="datetimeFigureOut">
               <a:rPr lang="zh-TW" altLang="en-US" smtClean="0"/>
-              <a:t>2023/2/23</a:t>
+              <a:t>2023/2/24</a:t>
             </a:fld>
             <a:endParaRPr lang="zh-TW" altLang="en-US"/>
           </a:p>
@@ -2664,7 +2669,7 @@
           <a:p>
             <a:fld id="{AD76A8AE-B211-4D3C-B08D-BDBAA8CDBE78}" type="datetimeFigureOut">
               <a:rPr lang="zh-TW" altLang="en-US" smtClean="0"/>
-              <a:t>2023/2/23</a:t>
+              <a:t>2023/2/24</a:t>
             </a:fld>
             <a:endParaRPr lang="zh-TW" altLang="en-US"/>
           </a:p>
@@ -2905,7 +2910,7 @@
           <a:p>
             <a:fld id="{AD76A8AE-B211-4D3C-B08D-BDBAA8CDBE78}" type="datetimeFigureOut">
               <a:rPr lang="zh-TW" altLang="en-US" smtClean="0"/>
-              <a:t>2023/2/23</a:t>
+              <a:t>2023/2/24</a:t>
             </a:fld>
             <a:endParaRPr lang="zh-TW" altLang="en-US"/>
           </a:p>
@@ -3495,6 +3500,11 @@
             <a:avLst/>
           </a:prstGeom>
           <a:noFill/>
+          <a:ln>
+            <a:solidFill>
+              <a:schemeClr val="tx1"/>
+            </a:solidFill>
+          </a:ln>
         </p:spPr>
         <p:txBody>
           <a:bodyPr wrap="square">
@@ -3518,11 +3528,25 @@
                 <a:ea typeface="標楷體" panose="03000509000000000000" pitchFamily="65" charset="-120"/>
                 <a:cs typeface="Times New Roman" panose="02020603050405020304" pitchFamily="18" charset="0"/>
               </a:rPr>
-              <a:t>URL: http://127.0.0.1:8000/api/v1/InvoiceMaster/{urlCondition}</a:t>
-            </a:r>
-          </a:p>
-          <a:p>
-            <a:pPr marL="342900" indent="-342900">
+              <a:t>URL: </a:t>
+            </a:r>
+            <a:r>
+              <a:rPr lang="en-US" altLang="zh-TW" sz="1200" dirty="0">
+                <a:latin typeface="Times New Roman" panose="02020603050405020304" pitchFamily="18" charset="0"/>
+                <a:ea typeface="標楷體" panose="03000509000000000000" pitchFamily="65" charset="-120"/>
+                <a:cs typeface="Times New Roman" panose="02020603050405020304" pitchFamily="18" charset="0"/>
+                <a:hlinkClick r:id="rId3"/>
+              </a:rPr>
+              <a:t>http://127.0.0.1:8000/api/v1/getInvoiceMaster&amp;InvoiceDetail/{urlCondition}</a:t>
+            </a:r>
+            <a:endParaRPr lang="en-US" altLang="zh-TW" sz="1200" dirty="0">
+              <a:latin typeface="Times New Roman" panose="02020603050405020304" pitchFamily="18" charset="0"/>
+              <a:ea typeface="標楷體" panose="03000509000000000000" pitchFamily="65" charset="-120"/>
+              <a:cs typeface="Times New Roman" panose="02020603050405020304" pitchFamily="18" charset="0"/>
+            </a:endParaRPr>
+          </a:p>
+          <a:p>
+            <a:pPr marL="800100" lvl="1" indent="-342900">
               <a:buFont typeface="+mj-lt"/>
               <a:buAutoNum type="arabicPeriod"/>
             </a:pPr>
@@ -3544,12 +3568,15 @@
             </a:r>
           </a:p>
           <a:p>
-            <a:pPr marL="342900" indent="-342900">
+            <a:pPr marL="800100" lvl="1" indent="-342900">
               <a:buFont typeface="+mj-lt"/>
               <a:buAutoNum type="arabicPeriod"/>
             </a:pPr>
             <a:r>
               <a:rPr lang="en-US" altLang="zh-TW" sz="1200" dirty="0" err="1">
+                <a:highlight>
+                  <a:srgbClr val="FFFF00"/>
+                </a:highlight>
                 <a:latin typeface="Times New Roman" panose="02020603050405020304" pitchFamily="18" charset="0"/>
                 <a:ea typeface="標楷體" panose="03000509000000000000" pitchFamily="65" charset="-120"/>
                 <a:cs typeface="Times New Roman" panose="02020603050405020304" pitchFamily="18" charset="0"/>
@@ -3558,6 +3585,9 @@
             </a:r>
             <a:r>
               <a:rPr lang="en-US" altLang="zh-TW" sz="1200" dirty="0">
+                <a:highlight>
+                  <a:srgbClr val="FFFF00"/>
+                </a:highlight>
                 <a:latin typeface="Times New Roman" panose="02020603050405020304" pitchFamily="18" charset="0"/>
                 <a:ea typeface="標楷體" panose="03000509000000000000" pitchFamily="65" charset="-120"/>
                 <a:cs typeface="Times New Roman" panose="02020603050405020304" pitchFamily="18" charset="0"/>
@@ -3566,6 +3596,9 @@
             </a:r>
             <a:r>
               <a:rPr lang="zh-TW" altLang="en-US" sz="1200" dirty="0">
+                <a:highlight>
+                  <a:srgbClr val="FFFF00"/>
+                </a:highlight>
                 <a:latin typeface="Times New Roman" panose="02020603050405020304" pitchFamily="18" charset="0"/>
                 <a:ea typeface="標楷體" panose="03000509000000000000" pitchFamily="65" charset="-120"/>
                 <a:cs typeface="Times New Roman" panose="02020603050405020304" pitchFamily="18" charset="0"/>
@@ -3582,6 +3615,9 @@
             </a:r>
             <a:r>
               <a:rPr lang="en-US" altLang="zh-TW" sz="1200" dirty="0" err="1">
+                <a:highlight>
+                  <a:srgbClr val="FFFF00"/>
+                </a:highlight>
                 <a:latin typeface="Times New Roman" panose="02020603050405020304" pitchFamily="18" charset="0"/>
                 <a:ea typeface="標楷體" panose="03000509000000000000" pitchFamily="65" charset="-120"/>
                 <a:cs typeface="Times New Roman" panose="02020603050405020304" pitchFamily="18" charset="0"/>
@@ -3590,6 +3626,9 @@
             </a:r>
             <a:r>
               <a:rPr lang="en-US" altLang="zh-TW" sz="1200" dirty="0">
+                <a:highlight>
+                  <a:srgbClr val="FFFF00"/>
+                </a:highlight>
                 <a:latin typeface="Times New Roman" panose="02020603050405020304" pitchFamily="18" charset="0"/>
                 <a:ea typeface="標楷體" panose="03000509000000000000" pitchFamily="65" charset="-120"/>
                 <a:cs typeface="Times New Roman" panose="02020603050405020304" pitchFamily="18" charset="0"/>
@@ -3598,6 +3637,9 @@
             </a:r>
             <a:r>
               <a:rPr lang="zh-TW" altLang="en-US" sz="1200" dirty="0">
+                <a:highlight>
+                  <a:srgbClr val="FFFF00"/>
+                </a:highlight>
                 <a:latin typeface="Times New Roman" panose="02020603050405020304" pitchFamily="18" charset="0"/>
                 <a:ea typeface="標楷體" panose="03000509000000000000" pitchFamily="65" charset="-120"/>
                 <a:cs typeface="Times New Roman" panose="02020603050405020304" pitchFamily="18" charset="0"/>
@@ -3614,6 +3656,9 @@
             </a:r>
             <a:r>
               <a:rPr lang="en-US" altLang="zh-TW" sz="1200" dirty="0" err="1">
+                <a:highlight>
+                  <a:srgbClr val="FFFF00"/>
+                </a:highlight>
                 <a:latin typeface="Times New Roman" panose="02020603050405020304" pitchFamily="18" charset="0"/>
                 <a:ea typeface="標楷體" panose="03000509000000000000" pitchFamily="65" charset="-120"/>
                 <a:cs typeface="Times New Roman" panose="02020603050405020304" pitchFamily="18" charset="0"/>
@@ -3622,6 +3667,9 @@
             </a:r>
             <a:r>
               <a:rPr lang="en-US" altLang="zh-TW" sz="1200" dirty="0">
+                <a:highlight>
+                  <a:srgbClr val="FFFF00"/>
+                </a:highlight>
                 <a:latin typeface="Times New Roman" panose="02020603050405020304" pitchFamily="18" charset="0"/>
                 <a:ea typeface="標楷體" panose="03000509000000000000" pitchFamily="65" charset="-120"/>
                 <a:cs typeface="Times New Roman" panose="02020603050405020304" pitchFamily="18" charset="0"/>
@@ -3630,6 +3678,9 @@
             </a:r>
             <a:r>
               <a:rPr lang="zh-TW" altLang="en-US" sz="1200" dirty="0">
+                <a:highlight>
+                  <a:srgbClr val="FFFF00"/>
+                </a:highlight>
                 <a:latin typeface="Times New Roman" panose="02020603050405020304" pitchFamily="18" charset="0"/>
                 <a:ea typeface="標楷體" panose="03000509000000000000" pitchFamily="65" charset="-120"/>
                 <a:cs typeface="Times New Roman" panose="02020603050405020304" pitchFamily="18" charset="0"/>
@@ -3637,6 +3688,9 @@
               <a:t>海纜作業</a:t>
             </a:r>
             <a:endParaRPr lang="en-US" altLang="zh-TW" sz="1200" dirty="0">
+              <a:highlight>
+                <a:srgbClr val="FFFF00"/>
+              </a:highlight>
               <a:latin typeface="Times New Roman" panose="02020603050405020304" pitchFamily="18" charset="0"/>
               <a:ea typeface="標楷體" panose="03000509000000000000" pitchFamily="65" charset="-120"/>
               <a:cs typeface="Times New Roman" panose="02020603050405020304" pitchFamily="18" charset="0"/>

--- a/CBP專案/API Document/產製帳單&帳單明細檔API.pptx
+++ b/CBP專案/API Document/產製帳單&帳單明細檔API.pptx
@@ -7,6 +7,7 @@
   <p:sldIdLst>
     <p:sldId id="256" r:id="rId2"/>
     <p:sldId id="257" r:id="rId3"/>
+    <p:sldId id="258" r:id="rId4"/>
   </p:sldIdLst>
   <p:sldSz cx="12192000" cy="6858000"/>
   <p:notesSz cx="6858000" cy="9144000"/>
@@ -260,7 +261,7 @@
           <a:p>
             <a:fld id="{AD76A8AE-B211-4D3C-B08D-BDBAA8CDBE78}" type="datetimeFigureOut">
               <a:rPr lang="zh-TW" altLang="en-US" smtClean="0"/>
-              <a:t>2023/2/24</a:t>
+              <a:t>2023/3/6</a:t>
             </a:fld>
             <a:endParaRPr lang="zh-TW" altLang="en-US"/>
           </a:p>
@@ -458,7 +459,7 @@
           <a:p>
             <a:fld id="{AD76A8AE-B211-4D3C-B08D-BDBAA8CDBE78}" type="datetimeFigureOut">
               <a:rPr lang="zh-TW" altLang="en-US" smtClean="0"/>
-              <a:t>2023/2/24</a:t>
+              <a:t>2023/3/6</a:t>
             </a:fld>
             <a:endParaRPr lang="zh-TW" altLang="en-US"/>
           </a:p>
@@ -666,7 +667,7 @@
           <a:p>
             <a:fld id="{AD76A8AE-B211-4D3C-B08D-BDBAA8CDBE78}" type="datetimeFigureOut">
               <a:rPr lang="zh-TW" altLang="en-US" smtClean="0"/>
-              <a:t>2023/2/24</a:t>
+              <a:t>2023/3/6</a:t>
             </a:fld>
             <a:endParaRPr lang="zh-TW" altLang="en-US"/>
           </a:p>
@@ -864,7 +865,7 @@
           <a:p>
             <a:fld id="{AD76A8AE-B211-4D3C-B08D-BDBAA8CDBE78}" type="datetimeFigureOut">
               <a:rPr lang="zh-TW" altLang="en-US" smtClean="0"/>
-              <a:t>2023/2/24</a:t>
+              <a:t>2023/3/6</a:t>
             </a:fld>
             <a:endParaRPr lang="zh-TW" altLang="en-US"/>
           </a:p>
@@ -1139,7 +1140,7 @@
           <a:p>
             <a:fld id="{AD76A8AE-B211-4D3C-B08D-BDBAA8CDBE78}" type="datetimeFigureOut">
               <a:rPr lang="zh-TW" altLang="en-US" smtClean="0"/>
-              <a:t>2023/2/24</a:t>
+              <a:t>2023/3/6</a:t>
             </a:fld>
             <a:endParaRPr lang="zh-TW" altLang="en-US"/>
           </a:p>
@@ -1404,7 +1405,7 @@
           <a:p>
             <a:fld id="{AD76A8AE-B211-4D3C-B08D-BDBAA8CDBE78}" type="datetimeFigureOut">
               <a:rPr lang="zh-TW" altLang="en-US" smtClean="0"/>
-              <a:t>2023/2/24</a:t>
+              <a:t>2023/3/6</a:t>
             </a:fld>
             <a:endParaRPr lang="zh-TW" altLang="en-US"/>
           </a:p>
@@ -1816,7 +1817,7 @@
           <a:p>
             <a:fld id="{AD76A8AE-B211-4D3C-B08D-BDBAA8CDBE78}" type="datetimeFigureOut">
               <a:rPr lang="zh-TW" altLang="en-US" smtClean="0"/>
-              <a:t>2023/2/24</a:t>
+              <a:t>2023/3/6</a:t>
             </a:fld>
             <a:endParaRPr lang="zh-TW" altLang="en-US"/>
           </a:p>
@@ -1957,7 +1958,7 @@
           <a:p>
             <a:fld id="{AD76A8AE-B211-4D3C-B08D-BDBAA8CDBE78}" type="datetimeFigureOut">
               <a:rPr lang="zh-TW" altLang="en-US" smtClean="0"/>
-              <a:t>2023/2/24</a:t>
+              <a:t>2023/3/6</a:t>
             </a:fld>
             <a:endParaRPr lang="zh-TW" altLang="en-US"/>
           </a:p>
@@ -2070,7 +2071,7 @@
           <a:p>
             <a:fld id="{AD76A8AE-B211-4D3C-B08D-BDBAA8CDBE78}" type="datetimeFigureOut">
               <a:rPr lang="zh-TW" altLang="en-US" smtClean="0"/>
-              <a:t>2023/2/24</a:t>
+              <a:t>2023/3/6</a:t>
             </a:fld>
             <a:endParaRPr lang="zh-TW" altLang="en-US"/>
           </a:p>
@@ -2381,7 +2382,7 @@
           <a:p>
             <a:fld id="{AD76A8AE-B211-4D3C-B08D-BDBAA8CDBE78}" type="datetimeFigureOut">
               <a:rPr lang="zh-TW" altLang="en-US" smtClean="0"/>
-              <a:t>2023/2/24</a:t>
+              <a:t>2023/3/6</a:t>
             </a:fld>
             <a:endParaRPr lang="zh-TW" altLang="en-US"/>
           </a:p>
@@ -2669,7 +2670,7 @@
           <a:p>
             <a:fld id="{AD76A8AE-B211-4D3C-B08D-BDBAA8CDBE78}" type="datetimeFigureOut">
               <a:rPr lang="zh-TW" altLang="en-US" smtClean="0"/>
-              <a:t>2023/2/24</a:t>
+              <a:t>2023/3/6</a:t>
             </a:fld>
             <a:endParaRPr lang="zh-TW" altLang="en-US"/>
           </a:p>
@@ -2910,7 +2911,7 @@
           <a:p>
             <a:fld id="{AD76A8AE-B211-4D3C-B08D-BDBAA8CDBE78}" type="datetimeFigureOut">
               <a:rPr lang="zh-TW" altLang="en-US" smtClean="0"/>
-              <a:t>2023/2/24</a:t>
+              <a:t>2023/3/6</a:t>
             </a:fld>
             <a:endParaRPr lang="zh-TW" altLang="en-US"/>
           </a:p>
@@ -3711,6 +3712,316 @@
 </p:sld>
 </file>
 
+<file path=ppt/slides/slide3.xml><?xml version="1.0" encoding="utf-8"?>
+<p:sld xmlns:a="http://schemas.openxmlformats.org/drawingml/2006/main" xmlns:r="http://schemas.openxmlformats.org/officeDocument/2006/relationships" xmlns:p="http://schemas.openxmlformats.org/presentationml/2006/main">
+  <p:cSld>
+    <p:spTree>
+      <p:nvGrpSpPr>
+        <p:cNvPr id="1" name=""/>
+        <p:cNvGrpSpPr/>
+        <p:nvPr/>
+      </p:nvGrpSpPr>
+      <p:grpSpPr>
+        <a:xfrm>
+          <a:off x="0" y="0"/>
+          <a:ext cx="0" cy="0"/>
+          <a:chOff x="0" y="0"/>
+          <a:chExt cx="0" cy="0"/>
+        </a:xfrm>
+      </p:grpSpPr>
+      <p:sp>
+        <p:nvSpPr>
+          <p:cNvPr id="2" name="標題 1">
+            <a:extLst>
+              <a:ext uri="{FF2B5EF4-FFF2-40B4-BE49-F238E27FC236}">
+                <a16:creationId xmlns:a16="http://schemas.microsoft.com/office/drawing/2014/main" id="{C7D21E84-DB04-486D-854D-F6734D8C2E75}"/>
+              </a:ext>
+            </a:extLst>
+          </p:cNvPr>
+          <p:cNvSpPr>
+            <a:spLocks noGrp="1"/>
+          </p:cNvSpPr>
+          <p:nvPr>
+            <p:ph type="title"/>
+          </p:nvPr>
+        </p:nvSpPr>
+        <p:spPr/>
+        <p:txBody>
+          <a:bodyPr/>
+          <a:lstStyle/>
+          <a:p>
+            <a:r>
+              <a:rPr lang="zh-TW" altLang="en-US" dirty="0">
+                <a:latin typeface="標楷體" panose="03000509000000000000" pitchFamily="65" charset="-120"/>
+                <a:ea typeface="標楷體" panose="03000509000000000000" pitchFamily="65" charset="-120"/>
+              </a:rPr>
+              <a:t>合併</a:t>
+            </a:r>
+          </a:p>
+        </p:txBody>
+      </p:sp>
+      <p:pic>
+        <p:nvPicPr>
+          <p:cNvPr id="5" name="圖片 4">
+            <a:extLst>
+              <a:ext uri="{FF2B5EF4-FFF2-40B4-BE49-F238E27FC236}">
+                <a16:creationId xmlns:a16="http://schemas.microsoft.com/office/drawing/2014/main" id="{0FD2F526-52D7-4FB1-AABA-E0F970383C2E}"/>
+              </a:ext>
+            </a:extLst>
+          </p:cNvPr>
+          <p:cNvPicPr>
+            <a:picLocks noChangeAspect="1"/>
+          </p:cNvPicPr>
+          <p:nvPr/>
+        </p:nvPicPr>
+        <p:blipFill>
+          <a:blip r:embed="rId2"/>
+          <a:stretch>
+            <a:fillRect/>
+          </a:stretch>
+        </p:blipFill>
+        <p:spPr>
+          <a:xfrm>
+            <a:off x="838200" y="1608138"/>
+            <a:ext cx="6884893" cy="1771724"/>
+          </a:xfrm>
+          <a:prstGeom prst="rect">
+            <a:avLst/>
+          </a:prstGeom>
+        </p:spPr>
+      </p:pic>
+      <p:sp>
+        <p:nvSpPr>
+          <p:cNvPr id="7" name="文字方塊 6">
+            <a:extLst>
+              <a:ext uri="{FF2B5EF4-FFF2-40B4-BE49-F238E27FC236}">
+                <a16:creationId xmlns:a16="http://schemas.microsoft.com/office/drawing/2014/main" id="{DFAA7CAB-54EB-436E-966D-CD8089EF1936}"/>
+              </a:ext>
+            </a:extLst>
+          </p:cNvPr>
+          <p:cNvSpPr txBox="1"/>
+          <p:nvPr/>
+        </p:nvSpPr>
+        <p:spPr>
+          <a:xfrm>
+            <a:off x="838200" y="3560713"/>
+            <a:ext cx="8210550" cy="830997"/>
+          </a:xfrm>
+          <a:prstGeom prst="rect">
+            <a:avLst/>
+          </a:prstGeom>
+          <a:noFill/>
+          <a:ln>
+            <a:solidFill>
+              <a:schemeClr val="tx1"/>
+            </a:solidFill>
+          </a:ln>
+        </p:spPr>
+        <p:txBody>
+          <a:bodyPr wrap="square">
+            <a:spAutoFit/>
+          </a:bodyPr>
+          <a:lstStyle/>
+          <a:p>
+            <a:r>
+              <a:rPr lang="zh-TW" altLang="en-US" sz="1200" dirty="0">
+                <a:latin typeface="Times New Roman" panose="02020603050405020304" pitchFamily="18" charset="0"/>
+                <a:ea typeface="標楷體" panose="03000509000000000000" pitchFamily="65" charset="-120"/>
+                <a:cs typeface="Times New Roman" panose="02020603050405020304" pitchFamily="18" charset="0"/>
+              </a:rPr>
+              <a:t>Method: GET</a:t>
+            </a:r>
+          </a:p>
+          <a:p>
+            <a:r>
+              <a:rPr lang="en-US" altLang="zh-TW" sz="1200" dirty="0">
+                <a:latin typeface="Times New Roman" panose="02020603050405020304" pitchFamily="18" charset="0"/>
+                <a:ea typeface="標楷體" panose="03000509000000000000" pitchFamily="65" charset="-120"/>
+                <a:cs typeface="Times New Roman" panose="02020603050405020304" pitchFamily="18" charset="0"/>
+              </a:rPr>
+              <a:t>URL: </a:t>
+            </a:r>
+            <a:r>
+              <a:rPr lang="en-US" altLang="zh-TW" sz="1200" dirty="0">
+                <a:latin typeface="Times New Roman" panose="02020603050405020304" pitchFamily="18" charset="0"/>
+                <a:ea typeface="標楷體" panose="03000509000000000000" pitchFamily="65" charset="-120"/>
+                <a:cs typeface="Times New Roman" panose="02020603050405020304" pitchFamily="18" charset="0"/>
+                <a:hlinkClick r:id="rId3"/>
+              </a:rPr>
+              <a:t>http://127.0.0.1:8000/api/v1/getInvoiceMaster&amp;InvoiceDetail/{urlCondition}</a:t>
+            </a:r>
+            <a:endParaRPr lang="en-US" altLang="zh-TW" sz="1200" dirty="0">
+              <a:latin typeface="Times New Roman" panose="02020603050405020304" pitchFamily="18" charset="0"/>
+              <a:ea typeface="標楷體" panose="03000509000000000000" pitchFamily="65" charset="-120"/>
+              <a:cs typeface="Times New Roman" panose="02020603050405020304" pitchFamily="18" charset="0"/>
+            </a:endParaRPr>
+          </a:p>
+          <a:p>
+            <a:pPr marL="800100" lvl="1" indent="-342900">
+              <a:buFont typeface="+mj-lt"/>
+              <a:buAutoNum type="arabicPeriod"/>
+            </a:pPr>
+            <a:r>
+              <a:rPr lang="en-US" altLang="zh-TW" sz="1200" dirty="0" err="1">
+                <a:latin typeface="Times New Roman" panose="02020603050405020304" pitchFamily="18" charset="0"/>
+                <a:ea typeface="標楷體" panose="03000509000000000000" pitchFamily="65" charset="-120"/>
+                <a:cs typeface="Times New Roman" panose="02020603050405020304" pitchFamily="18" charset="0"/>
+              </a:rPr>
+              <a:t>urlCondition</a:t>
+            </a:r>
+            <a:r>
+              <a:rPr lang="en-US" altLang="zh-TW" sz="1200" dirty="0">
+                <a:latin typeface="Times New Roman" panose="02020603050405020304" pitchFamily="18" charset="0"/>
+                <a:ea typeface="標楷體" panose="03000509000000000000" pitchFamily="65" charset="-120"/>
+                <a:cs typeface="Times New Roman" panose="02020603050405020304" pitchFamily="18" charset="0"/>
+              </a:rPr>
+              <a:t> = all</a:t>
+            </a:r>
+          </a:p>
+          <a:p>
+            <a:pPr marL="800100" lvl="1" indent="-342900">
+              <a:buFont typeface="+mj-lt"/>
+              <a:buAutoNum type="arabicPeriod"/>
+            </a:pPr>
+            <a:r>
+              <a:rPr lang="en-US" altLang="zh-TW" sz="1200" dirty="0" err="1">
+                <a:highlight>
+                  <a:srgbClr val="FFFF00"/>
+                </a:highlight>
+                <a:latin typeface="Times New Roman" panose="02020603050405020304" pitchFamily="18" charset="0"/>
+                <a:ea typeface="標楷體" panose="03000509000000000000" pitchFamily="65" charset="-120"/>
+                <a:cs typeface="Times New Roman" panose="02020603050405020304" pitchFamily="18" charset="0"/>
+              </a:rPr>
+              <a:t>PartyName</a:t>
+            </a:r>
+            <a:r>
+              <a:rPr lang="en-US" altLang="zh-TW" sz="1200" dirty="0">
+                <a:highlight>
+                  <a:srgbClr val="FFFF00"/>
+                </a:highlight>
+                <a:latin typeface="Times New Roman" panose="02020603050405020304" pitchFamily="18" charset="0"/>
+                <a:ea typeface="標楷體" panose="03000509000000000000" pitchFamily="65" charset="-120"/>
+                <a:cs typeface="Times New Roman" panose="02020603050405020304" pitchFamily="18" charset="0"/>
+              </a:rPr>
+              <a:t>=</a:t>
+            </a:r>
+            <a:r>
+              <a:rPr lang="zh-TW" altLang="en-US" sz="1200" dirty="0">
+                <a:highlight>
+                  <a:srgbClr val="FFFF00"/>
+                </a:highlight>
+                <a:latin typeface="Times New Roman" panose="02020603050405020304" pitchFamily="18" charset="0"/>
+                <a:ea typeface="標楷體" panose="03000509000000000000" pitchFamily="65" charset="-120"/>
+                <a:cs typeface="Times New Roman" panose="02020603050405020304" pitchFamily="18" charset="0"/>
+              </a:rPr>
+              <a:t>會員名稱</a:t>
+            </a:r>
+            <a:r>
+              <a:rPr lang="en-US" altLang="zh-TW" sz="1200" dirty="0">
+                <a:latin typeface="Times New Roman" panose="02020603050405020304" pitchFamily="18" charset="0"/>
+                <a:ea typeface="標楷體" panose="03000509000000000000" pitchFamily="65" charset="-120"/>
+                <a:cs typeface="Times New Roman" panose="02020603050405020304" pitchFamily="18" charset="0"/>
+              </a:rPr>
+              <a:t>&amp;</a:t>
+            </a:r>
+            <a:r>
+              <a:rPr lang="en-US" altLang="zh-TW" sz="1200" dirty="0" err="1">
+                <a:highlight>
+                  <a:srgbClr val="FFFF00"/>
+                </a:highlight>
+                <a:latin typeface="Times New Roman" panose="02020603050405020304" pitchFamily="18" charset="0"/>
+                <a:ea typeface="標楷體" panose="03000509000000000000" pitchFamily="65" charset="-120"/>
+                <a:cs typeface="Times New Roman" panose="02020603050405020304" pitchFamily="18" charset="0"/>
+              </a:rPr>
+              <a:t>BillMilestone</a:t>
+            </a:r>
+            <a:r>
+              <a:rPr lang="en-US" altLang="zh-TW" sz="1200" dirty="0">
+                <a:highlight>
+                  <a:srgbClr val="FFFF00"/>
+                </a:highlight>
+                <a:latin typeface="Times New Roman" panose="02020603050405020304" pitchFamily="18" charset="0"/>
+                <a:ea typeface="標楷體" panose="03000509000000000000" pitchFamily="65" charset="-120"/>
+                <a:cs typeface="Times New Roman" panose="02020603050405020304" pitchFamily="18" charset="0"/>
+              </a:rPr>
+              <a:t>=</a:t>
+            </a:r>
+            <a:r>
+              <a:rPr lang="zh-TW" altLang="en-US" sz="1200" dirty="0">
+                <a:highlight>
+                  <a:srgbClr val="FFFF00"/>
+                </a:highlight>
+                <a:latin typeface="Times New Roman" panose="02020603050405020304" pitchFamily="18" charset="0"/>
+                <a:ea typeface="標楷體" panose="03000509000000000000" pitchFamily="65" charset="-120"/>
+                <a:cs typeface="Times New Roman" panose="02020603050405020304" pitchFamily="18" charset="0"/>
+              </a:rPr>
+              <a:t>記帳段號</a:t>
+            </a:r>
+            <a:r>
+              <a:rPr lang="en-US" altLang="zh-TW" sz="1200" dirty="0">
+                <a:latin typeface="Times New Roman" panose="02020603050405020304" pitchFamily="18" charset="0"/>
+                <a:ea typeface="標楷體" panose="03000509000000000000" pitchFamily="65" charset="-120"/>
+                <a:cs typeface="Times New Roman" panose="02020603050405020304" pitchFamily="18" charset="0"/>
+              </a:rPr>
+              <a:t>&amp;</a:t>
+            </a:r>
+            <a:r>
+              <a:rPr lang="en-US" altLang="zh-TW" sz="1200" dirty="0" err="1">
+                <a:highlight>
+                  <a:srgbClr val="FFFF00"/>
+                </a:highlight>
+                <a:latin typeface="Times New Roman" panose="02020603050405020304" pitchFamily="18" charset="0"/>
+                <a:ea typeface="標楷體" panose="03000509000000000000" pitchFamily="65" charset="-120"/>
+                <a:cs typeface="Times New Roman" panose="02020603050405020304" pitchFamily="18" charset="0"/>
+              </a:rPr>
+              <a:t>SubmarineCable</a:t>
+            </a:r>
+            <a:r>
+              <a:rPr lang="en-US" altLang="zh-TW" sz="1200" dirty="0">
+                <a:highlight>
+                  <a:srgbClr val="FFFF00"/>
+                </a:highlight>
+                <a:latin typeface="Times New Roman" panose="02020603050405020304" pitchFamily="18" charset="0"/>
+                <a:ea typeface="標楷體" panose="03000509000000000000" pitchFamily="65" charset="-120"/>
+                <a:cs typeface="Times New Roman" panose="02020603050405020304" pitchFamily="18" charset="0"/>
+              </a:rPr>
+              <a:t>=</a:t>
+            </a:r>
+            <a:r>
+              <a:rPr lang="zh-TW" altLang="en-US" sz="1200" dirty="0">
+                <a:highlight>
+                  <a:srgbClr val="FFFF00"/>
+                </a:highlight>
+                <a:latin typeface="Times New Roman" panose="02020603050405020304" pitchFamily="18" charset="0"/>
+                <a:ea typeface="標楷體" panose="03000509000000000000" pitchFamily="65" charset="-120"/>
+                <a:cs typeface="Times New Roman" panose="02020603050405020304" pitchFamily="18" charset="0"/>
+              </a:rPr>
+              <a:t>海纜作業</a:t>
+            </a:r>
+            <a:endParaRPr lang="en-US" altLang="zh-TW" sz="1200" dirty="0">
+              <a:highlight>
+                <a:srgbClr val="FFFF00"/>
+              </a:highlight>
+              <a:latin typeface="Times New Roman" panose="02020603050405020304" pitchFamily="18" charset="0"/>
+              <a:ea typeface="標楷體" panose="03000509000000000000" pitchFamily="65" charset="-120"/>
+              <a:cs typeface="Times New Roman" panose="02020603050405020304" pitchFamily="18" charset="0"/>
+            </a:endParaRPr>
+          </a:p>
+        </p:txBody>
+      </p:sp>
+    </p:spTree>
+    <p:extLst>
+      <p:ext uri="{BB962C8B-B14F-4D97-AF65-F5344CB8AC3E}">
+        <p14:creationId xmlns:p14="http://schemas.microsoft.com/office/powerpoint/2010/main" val="2350639435"/>
+      </p:ext>
+    </p:extLst>
+  </p:cSld>
+  <p:clrMapOvr>
+    <a:masterClrMapping/>
+  </p:clrMapOvr>
+</p:sld>
+</file>
+
 <file path=ppt/theme/theme1.xml><?xml version="1.0" encoding="utf-8"?>
 <a:theme xmlns:a="http://schemas.openxmlformats.org/drawingml/2006/main" name="Office 佈景主題">
   <a:themeElements>
